--- a/Hack-For-Environment.pptx
+++ b/Hack-For-Environment.pptx
@@ -10,8 +10,11 @@
     <p:sldId id="258" r:id="rId4"/>
     <p:sldId id="259" r:id="rId5"/>
     <p:sldId id="260" r:id="rId6"/>
-    <p:sldId id="261" r:id="rId7"/>
-    <p:sldId id="262" r:id="rId8"/>
+    <p:sldId id="264" r:id="rId7"/>
+    <p:sldId id="261" r:id="rId8"/>
+    <p:sldId id="263" r:id="rId9"/>
+    <p:sldId id="265" r:id="rId10"/>
+    <p:sldId id="262" r:id="rId11"/>
   </p:sldIdLst>
   <p:sldSz cx="12192000" cy="6858000"/>
   <p:notesSz cx="6858000" cy="9144000"/>
@@ -267,7 +270,7 @@
           <a:p>
             <a:fld id="{114F5A11-7D97-4327-BA67-C682494A8F72}" type="datetimeFigureOut">
               <a:rPr lang="en-IN" smtClean="0"/>
-              <a:t>22-03-2020</a:t>
+              <a:t>31-03-2020</a:t>
             </a:fld>
             <a:endParaRPr lang="en-IN"/>
           </a:p>
@@ -467,7 +470,7 @@
           <a:p>
             <a:fld id="{114F5A11-7D97-4327-BA67-C682494A8F72}" type="datetimeFigureOut">
               <a:rPr lang="en-IN" smtClean="0"/>
-              <a:t>22-03-2020</a:t>
+              <a:t>31-03-2020</a:t>
             </a:fld>
             <a:endParaRPr lang="en-IN"/>
           </a:p>
@@ -677,7 +680,7 @@
           <a:p>
             <a:fld id="{114F5A11-7D97-4327-BA67-C682494A8F72}" type="datetimeFigureOut">
               <a:rPr lang="en-IN" smtClean="0"/>
-              <a:t>22-03-2020</a:t>
+              <a:t>31-03-2020</a:t>
             </a:fld>
             <a:endParaRPr lang="en-IN"/>
           </a:p>
@@ -877,7 +880,7 @@
           <a:p>
             <a:fld id="{114F5A11-7D97-4327-BA67-C682494A8F72}" type="datetimeFigureOut">
               <a:rPr lang="en-IN" smtClean="0"/>
-              <a:t>22-03-2020</a:t>
+              <a:t>31-03-2020</a:t>
             </a:fld>
             <a:endParaRPr lang="en-IN"/>
           </a:p>
@@ -1153,7 +1156,7 @@
           <a:p>
             <a:fld id="{114F5A11-7D97-4327-BA67-C682494A8F72}" type="datetimeFigureOut">
               <a:rPr lang="en-IN" smtClean="0"/>
-              <a:t>22-03-2020</a:t>
+              <a:t>31-03-2020</a:t>
             </a:fld>
             <a:endParaRPr lang="en-IN"/>
           </a:p>
@@ -1421,7 +1424,7 @@
           <a:p>
             <a:fld id="{114F5A11-7D97-4327-BA67-C682494A8F72}" type="datetimeFigureOut">
               <a:rPr lang="en-IN" smtClean="0"/>
-              <a:t>22-03-2020</a:t>
+              <a:t>31-03-2020</a:t>
             </a:fld>
             <a:endParaRPr lang="en-IN"/>
           </a:p>
@@ -1836,7 +1839,7 @@
           <a:p>
             <a:fld id="{114F5A11-7D97-4327-BA67-C682494A8F72}" type="datetimeFigureOut">
               <a:rPr lang="en-IN" smtClean="0"/>
-              <a:t>22-03-2020</a:t>
+              <a:t>31-03-2020</a:t>
             </a:fld>
             <a:endParaRPr lang="en-IN"/>
           </a:p>
@@ -1978,7 +1981,7 @@
           <a:p>
             <a:fld id="{114F5A11-7D97-4327-BA67-C682494A8F72}" type="datetimeFigureOut">
               <a:rPr lang="en-IN" smtClean="0"/>
-              <a:t>22-03-2020</a:t>
+              <a:t>31-03-2020</a:t>
             </a:fld>
             <a:endParaRPr lang="en-IN"/>
           </a:p>
@@ -2091,7 +2094,7 @@
           <a:p>
             <a:fld id="{114F5A11-7D97-4327-BA67-C682494A8F72}" type="datetimeFigureOut">
               <a:rPr lang="en-IN" smtClean="0"/>
-              <a:t>22-03-2020</a:t>
+              <a:t>31-03-2020</a:t>
             </a:fld>
             <a:endParaRPr lang="en-IN"/>
           </a:p>
@@ -2404,7 +2407,7 @@
           <a:p>
             <a:fld id="{114F5A11-7D97-4327-BA67-C682494A8F72}" type="datetimeFigureOut">
               <a:rPr lang="en-IN" smtClean="0"/>
-              <a:t>22-03-2020</a:t>
+              <a:t>31-03-2020</a:t>
             </a:fld>
             <a:endParaRPr lang="en-IN"/>
           </a:p>
@@ -2693,7 +2696,7 @@
           <a:p>
             <a:fld id="{114F5A11-7D97-4327-BA67-C682494A8F72}" type="datetimeFigureOut">
               <a:rPr lang="en-IN" smtClean="0"/>
-              <a:t>22-03-2020</a:t>
+              <a:t>31-03-2020</a:t>
             </a:fld>
             <a:endParaRPr lang="en-IN"/>
           </a:p>
@@ -2936,7 +2939,7 @@
           <a:p>
             <a:fld id="{114F5A11-7D97-4327-BA67-C682494A8F72}" type="datetimeFigureOut">
               <a:rPr lang="en-IN" smtClean="0"/>
-              <a:t>22-03-2020</a:t>
+              <a:t>31-03-2020</a:t>
             </a:fld>
             <a:endParaRPr lang="en-IN"/>
           </a:p>
@@ -3403,7 +3406,12 @@
             <p:ph type="subTitle" idx="1"/>
           </p:nvPr>
         </p:nvSpPr>
-        <p:spPr/>
+        <p:spPr>
+          <a:xfrm>
+            <a:off x="1524000" y="3602038"/>
+            <a:ext cx="9144000" cy="890063"/>
+          </a:xfrm>
+        </p:spPr>
         <p:txBody>
           <a:bodyPr/>
           <a:lstStyle/>
@@ -3440,561 +3448,7 @@
 </p:sld>
 </file>
 
-<file path=ppt/slides/slide2.xml><?xml version="1.0" encoding="utf-8"?>
-<p:sld xmlns:a="http://schemas.openxmlformats.org/drawingml/2006/main" xmlns:r="http://schemas.openxmlformats.org/officeDocument/2006/relationships" xmlns:p="http://schemas.openxmlformats.org/presentationml/2006/main">
-  <p:cSld>
-    <p:spTree>
-      <p:nvGrpSpPr>
-        <p:cNvPr id="1" name=""/>
-        <p:cNvGrpSpPr/>
-        <p:nvPr/>
-      </p:nvGrpSpPr>
-      <p:grpSpPr>
-        <a:xfrm>
-          <a:off x="0" y="0"/>
-          <a:ext cx="0" cy="0"/>
-          <a:chOff x="0" y="0"/>
-          <a:chExt cx="0" cy="0"/>
-        </a:xfrm>
-      </p:grpSpPr>
-      <p:sp>
-        <p:nvSpPr>
-          <p:cNvPr id="2" name="Title 1">
-            <a:extLst>
-              <a:ext uri="{FF2B5EF4-FFF2-40B4-BE49-F238E27FC236}">
-                <a16:creationId xmlns:a16="http://schemas.microsoft.com/office/drawing/2014/main" id="{E4D171B3-CB4D-4004-9F48-0C6F85F20B93}"/>
-              </a:ext>
-            </a:extLst>
-          </p:cNvPr>
-          <p:cNvSpPr>
-            <a:spLocks noGrp="1"/>
-          </p:cNvSpPr>
-          <p:nvPr>
-            <p:ph type="title"/>
-          </p:nvPr>
-        </p:nvSpPr>
-        <p:spPr>
-          <a:xfrm>
-            <a:off x="1114425" y="2470150"/>
-            <a:ext cx="10515600" cy="1325563"/>
-          </a:xfrm>
-        </p:spPr>
-        <p:txBody>
-          <a:bodyPr>
-            <a:normAutofit/>
-          </a:bodyPr>
-          <a:lstStyle/>
-          <a:p>
-            <a:r>
-              <a:rPr lang="en-US" b="1" dirty="0"/>
-              <a:t>Smart solution to curb emission of greenhouse gases in IT industries</a:t>
-            </a:r>
-            <a:endParaRPr lang="en-IN" dirty="0"/>
-          </a:p>
-        </p:txBody>
-      </p:sp>
-    </p:spTree>
-    <p:extLst>
-      <p:ext uri="{BB962C8B-B14F-4D97-AF65-F5344CB8AC3E}">
-        <p14:creationId xmlns:p14="http://schemas.microsoft.com/office/powerpoint/2010/main" val="2960777999"/>
-      </p:ext>
-    </p:extLst>
-  </p:cSld>
-  <p:clrMapOvr>
-    <a:masterClrMapping/>
-  </p:clrMapOvr>
-</p:sld>
-</file>
-
-<file path=ppt/slides/slide3.xml><?xml version="1.0" encoding="utf-8"?>
-<p:sld xmlns:a="http://schemas.openxmlformats.org/drawingml/2006/main" xmlns:r="http://schemas.openxmlformats.org/officeDocument/2006/relationships" xmlns:p="http://schemas.openxmlformats.org/presentationml/2006/main">
-  <p:cSld>
-    <p:spTree>
-      <p:nvGrpSpPr>
-        <p:cNvPr id="1" name=""/>
-        <p:cNvGrpSpPr/>
-        <p:nvPr/>
-      </p:nvGrpSpPr>
-      <p:grpSpPr>
-        <a:xfrm>
-          <a:off x="0" y="0"/>
-          <a:ext cx="0" cy="0"/>
-          <a:chOff x="0" y="0"/>
-          <a:chExt cx="0" cy="0"/>
-        </a:xfrm>
-      </p:grpSpPr>
-      <p:sp>
-        <p:nvSpPr>
-          <p:cNvPr id="2" name="Title 1">
-            <a:extLst>
-              <a:ext uri="{FF2B5EF4-FFF2-40B4-BE49-F238E27FC236}">
-                <a16:creationId xmlns:a16="http://schemas.microsoft.com/office/drawing/2014/main" id="{934EC0A0-565A-4C75-ADEB-F358C1958DBD}"/>
-              </a:ext>
-            </a:extLst>
-          </p:cNvPr>
-          <p:cNvSpPr>
-            <a:spLocks noGrp="1"/>
-          </p:cNvSpPr>
-          <p:nvPr>
-            <p:ph type="title"/>
-          </p:nvPr>
-        </p:nvSpPr>
-        <p:spPr>
-          <a:xfrm>
-            <a:off x="838200" y="365125"/>
-            <a:ext cx="10515600" cy="1006475"/>
-          </a:xfrm>
-        </p:spPr>
-        <p:txBody>
-          <a:bodyPr/>
-          <a:lstStyle/>
-          <a:p>
-            <a:r>
-              <a:rPr lang="en-US" dirty="0"/>
-              <a:t>			Problem Statement</a:t>
-            </a:r>
-            <a:endParaRPr lang="en-IN" dirty="0"/>
-          </a:p>
-        </p:txBody>
-      </p:sp>
-      <p:sp>
-        <p:nvSpPr>
-          <p:cNvPr id="3" name="Content Placeholder 2">
-            <a:extLst>
-              <a:ext uri="{FF2B5EF4-FFF2-40B4-BE49-F238E27FC236}">
-                <a16:creationId xmlns:a16="http://schemas.microsoft.com/office/drawing/2014/main" id="{81ADD2C9-335D-447E-9AFC-D3398CBFF08D}"/>
-              </a:ext>
-            </a:extLst>
-          </p:cNvPr>
-          <p:cNvSpPr>
-            <a:spLocks noGrp="1"/>
-          </p:cNvSpPr>
-          <p:nvPr>
-            <p:ph idx="1"/>
-          </p:nvPr>
-        </p:nvSpPr>
-        <p:spPr/>
-        <p:txBody>
-          <a:bodyPr>
-            <a:normAutofit/>
-          </a:bodyPr>
-          <a:lstStyle/>
-          <a:p>
-            <a:r>
-              <a:rPr lang="en-US" dirty="0"/>
-              <a:t>As per some independent research, if the Server is on for eight hours a day then it uses almost 600 kWh and emits 175 kg of CO2 per year. </a:t>
-            </a:r>
-          </a:p>
-          <a:p>
-            <a:endParaRPr lang="en-US" dirty="0"/>
-          </a:p>
-          <a:p>
-            <a:r>
-              <a:rPr lang="en-US" dirty="0"/>
-              <a:t>A Laptop\Desktop uses between 50 and 100 W/hour when it is being used, depending on the model. </a:t>
-            </a:r>
-            <a:br>
-              <a:rPr lang="en-US" dirty="0"/>
-            </a:br>
-            <a:endParaRPr lang="en-US" dirty="0"/>
-          </a:p>
-          <a:p>
-            <a:r>
-              <a:rPr lang="en-US" dirty="0"/>
-              <a:t>A laptop that is on for eight hours a day uses between 150 and 300 kWh and emits between 44 and 88 kg of CO2 per year</a:t>
-            </a:r>
-            <a:endParaRPr lang="en-IN" dirty="0"/>
-          </a:p>
-        </p:txBody>
-      </p:sp>
-    </p:spTree>
-    <p:extLst>
-      <p:ext uri="{BB962C8B-B14F-4D97-AF65-F5344CB8AC3E}">
-        <p14:creationId xmlns:p14="http://schemas.microsoft.com/office/powerpoint/2010/main" val="3269305118"/>
-      </p:ext>
-    </p:extLst>
-  </p:cSld>
-  <p:clrMapOvr>
-    <a:masterClrMapping/>
-  </p:clrMapOvr>
-</p:sld>
-</file>
-
-<file path=ppt/slides/slide4.xml><?xml version="1.0" encoding="utf-8"?>
-<p:sld xmlns:a="http://schemas.openxmlformats.org/drawingml/2006/main" xmlns:r="http://schemas.openxmlformats.org/officeDocument/2006/relationships" xmlns:p="http://schemas.openxmlformats.org/presentationml/2006/main">
-  <p:cSld>
-    <p:spTree>
-      <p:nvGrpSpPr>
-        <p:cNvPr id="1" name=""/>
-        <p:cNvGrpSpPr/>
-        <p:nvPr/>
-      </p:nvGrpSpPr>
-      <p:grpSpPr>
-        <a:xfrm>
-          <a:off x="0" y="0"/>
-          <a:ext cx="0" cy="0"/>
-          <a:chOff x="0" y="0"/>
-          <a:chExt cx="0" cy="0"/>
-        </a:xfrm>
-      </p:grpSpPr>
-      <p:sp>
-        <p:nvSpPr>
-          <p:cNvPr id="2" name="Title 1">
-            <a:extLst>
-              <a:ext uri="{FF2B5EF4-FFF2-40B4-BE49-F238E27FC236}">
-                <a16:creationId xmlns:a16="http://schemas.microsoft.com/office/drawing/2014/main" id="{117E07F0-D668-4AD0-8BDD-7F751D56EF15}"/>
-              </a:ext>
-            </a:extLst>
-          </p:cNvPr>
-          <p:cNvSpPr>
-            <a:spLocks noGrp="1"/>
-          </p:cNvSpPr>
-          <p:nvPr>
-            <p:ph type="title"/>
-          </p:nvPr>
-        </p:nvSpPr>
-        <p:spPr/>
-        <p:txBody>
-          <a:bodyPr/>
-          <a:lstStyle/>
-          <a:p>
-            <a:r>
-              <a:rPr lang="en-US" dirty="0"/>
-              <a:t>				Solution</a:t>
-            </a:r>
-            <a:endParaRPr lang="en-IN" dirty="0"/>
-          </a:p>
-        </p:txBody>
-      </p:sp>
-      <p:sp>
-        <p:nvSpPr>
-          <p:cNvPr id="3" name="Content Placeholder 2">
-            <a:extLst>
-              <a:ext uri="{FF2B5EF4-FFF2-40B4-BE49-F238E27FC236}">
-                <a16:creationId xmlns:a16="http://schemas.microsoft.com/office/drawing/2014/main" id="{9BC1EFC8-55A2-4FFB-8FE0-188090A199B7}"/>
-              </a:ext>
-            </a:extLst>
-          </p:cNvPr>
-          <p:cNvSpPr>
-            <a:spLocks noGrp="1"/>
-          </p:cNvSpPr>
-          <p:nvPr>
-            <p:ph idx="1"/>
-          </p:nvPr>
-        </p:nvSpPr>
-        <p:spPr/>
-        <p:txBody>
-          <a:bodyPr>
-            <a:normAutofit/>
-          </a:bodyPr>
-          <a:lstStyle/>
-          <a:p>
-            <a:pPr marL="0" indent="0">
-              <a:buNone/>
-            </a:pPr>
-            <a:r>
-              <a:rPr lang="en-US" sz="3200" dirty="0"/>
-              <a:t>Quite often we see the </a:t>
-            </a:r>
-            <a:r>
-              <a:rPr lang="en-US" sz="3200" b="1" dirty="0">
-                <a:solidFill>
-                  <a:srgbClr val="FF0000"/>
-                </a:solidFill>
-              </a:rPr>
-              <a:t>non essential servers</a:t>
-            </a:r>
-            <a:r>
-              <a:rPr lang="en-US" sz="3200" dirty="0"/>
-              <a:t>, desktops and other devices are up and running during non-business hours. </a:t>
-            </a:r>
-            <a:br>
-              <a:rPr lang="en-US" sz="3200" dirty="0"/>
-            </a:br>
-            <a:br>
-              <a:rPr lang="en-US" sz="3200" dirty="0"/>
-            </a:br>
-            <a:r>
-              <a:rPr lang="en-US" sz="3200" dirty="0"/>
-              <a:t>If we identify these non-essential devices and </a:t>
-            </a:r>
-            <a:r>
-              <a:rPr lang="en-US" sz="3200" b="1" dirty="0">
-                <a:solidFill>
-                  <a:schemeClr val="accent6"/>
-                </a:solidFill>
-              </a:rPr>
-              <a:t>turn-off</a:t>
-            </a:r>
-            <a:r>
-              <a:rPr lang="en-US" sz="3200" dirty="0"/>
-              <a:t> these servers\desktops\other device during non-business hours then we can limit the carbon emission. </a:t>
-            </a:r>
-            <a:endParaRPr lang="en-IN" sz="3200" dirty="0"/>
-          </a:p>
-        </p:txBody>
-      </p:sp>
-    </p:spTree>
-    <p:extLst>
-      <p:ext uri="{BB962C8B-B14F-4D97-AF65-F5344CB8AC3E}">
-        <p14:creationId xmlns:p14="http://schemas.microsoft.com/office/powerpoint/2010/main" val="3891402677"/>
-      </p:ext>
-    </p:extLst>
-  </p:cSld>
-  <p:clrMapOvr>
-    <a:masterClrMapping/>
-  </p:clrMapOvr>
-</p:sld>
-</file>
-
-<file path=ppt/slides/slide5.xml><?xml version="1.0" encoding="utf-8"?>
-<p:sld xmlns:a="http://schemas.openxmlformats.org/drawingml/2006/main" xmlns:r="http://schemas.openxmlformats.org/officeDocument/2006/relationships" xmlns:p="http://schemas.openxmlformats.org/presentationml/2006/main">
-  <p:cSld>
-    <p:spTree>
-      <p:nvGrpSpPr>
-        <p:cNvPr id="1" name=""/>
-        <p:cNvGrpSpPr/>
-        <p:nvPr/>
-      </p:nvGrpSpPr>
-      <p:grpSpPr>
-        <a:xfrm>
-          <a:off x="0" y="0"/>
-          <a:ext cx="0" cy="0"/>
-          <a:chOff x="0" y="0"/>
-          <a:chExt cx="0" cy="0"/>
-        </a:xfrm>
-      </p:grpSpPr>
-      <p:sp>
-        <p:nvSpPr>
-          <p:cNvPr id="2" name="Title 1">
-            <a:extLst>
-              <a:ext uri="{FF2B5EF4-FFF2-40B4-BE49-F238E27FC236}">
-                <a16:creationId xmlns:a16="http://schemas.microsoft.com/office/drawing/2014/main" id="{5E752B9D-FBC4-4CFD-B022-D569EDB26F11}"/>
-              </a:ext>
-            </a:extLst>
-          </p:cNvPr>
-          <p:cNvSpPr>
-            <a:spLocks noGrp="1"/>
-          </p:cNvSpPr>
-          <p:nvPr>
-            <p:ph type="title"/>
-          </p:nvPr>
-        </p:nvSpPr>
-        <p:spPr>
-          <a:xfrm>
-            <a:off x="838200" y="365126"/>
-            <a:ext cx="10515600" cy="615949"/>
-          </a:xfrm>
-        </p:spPr>
-        <p:txBody>
-          <a:bodyPr>
-            <a:normAutofit fontScale="90000"/>
-          </a:bodyPr>
-          <a:lstStyle/>
-          <a:p>
-            <a:r>
-              <a:rPr lang="en-US" dirty="0"/>
-              <a:t>				</a:t>
-            </a:r>
-            <a:r>
-              <a:rPr lang="en-US" b="1" dirty="0"/>
-              <a:t>Solution</a:t>
-            </a:r>
-            <a:endParaRPr lang="en-IN" b="1" dirty="0"/>
-          </a:p>
-        </p:txBody>
-      </p:sp>
-      <p:sp>
-        <p:nvSpPr>
-          <p:cNvPr id="3" name="Content Placeholder 2">
-            <a:extLst>
-              <a:ext uri="{FF2B5EF4-FFF2-40B4-BE49-F238E27FC236}">
-                <a16:creationId xmlns:a16="http://schemas.microsoft.com/office/drawing/2014/main" id="{C5C2333B-3431-49F2-99F4-C9D332F54264}"/>
-              </a:ext>
-            </a:extLst>
-          </p:cNvPr>
-          <p:cNvSpPr>
-            <a:spLocks noGrp="1"/>
-          </p:cNvSpPr>
-          <p:nvPr>
-            <p:ph idx="1"/>
-          </p:nvPr>
-        </p:nvSpPr>
-        <p:spPr>
-          <a:xfrm>
-            <a:off x="142875" y="1381126"/>
-            <a:ext cx="11744325" cy="4795838"/>
-          </a:xfrm>
-        </p:spPr>
-        <p:txBody>
-          <a:bodyPr>
-            <a:normAutofit/>
-          </a:bodyPr>
-          <a:lstStyle/>
-          <a:p>
-            <a:pPr marL="0" indent="0">
-              <a:buNone/>
-            </a:pPr>
-            <a:r>
-              <a:rPr lang="en-US" dirty="0"/>
-              <a:t>Our solution is  a "Full Stack Solution" that will identify the devices which are not required during "non-business hours" and turn them off during non productive hours.</a:t>
-            </a:r>
-            <a:br>
-              <a:rPr lang="en-US" dirty="0"/>
-            </a:br>
-            <a:br>
-              <a:rPr lang="en-US" dirty="0"/>
-            </a:br>
-            <a:r>
-              <a:rPr lang="en-US" dirty="0"/>
-              <a:t>With our  solution we can control any servers\desktops\laptops running in :</a:t>
-            </a:r>
-          </a:p>
-          <a:p>
-            <a:r>
-              <a:rPr lang="en-US" dirty="0"/>
-              <a:t>Private Cloud or Datacenter.</a:t>
-            </a:r>
-          </a:p>
-          <a:p>
-            <a:r>
-              <a:rPr lang="en-US" dirty="0"/>
-              <a:t>Any Public Cloud  (Azure\AWS\Etc.)</a:t>
-            </a:r>
-          </a:p>
-          <a:p>
-            <a:r>
-              <a:rPr lang="en-US" dirty="0"/>
-              <a:t>Hybrid Cloud.</a:t>
-            </a:r>
-          </a:p>
-          <a:p>
-            <a:r>
-              <a:rPr lang="en-US" dirty="0"/>
-              <a:t>On-Premises</a:t>
-            </a:r>
-          </a:p>
-          <a:p>
-            <a:pPr marL="0" indent="0">
-              <a:buNone/>
-            </a:pPr>
-            <a:endParaRPr lang="en-IN" dirty="0"/>
-          </a:p>
-        </p:txBody>
-      </p:sp>
-    </p:spTree>
-    <p:extLst>
-      <p:ext uri="{BB962C8B-B14F-4D97-AF65-F5344CB8AC3E}">
-        <p14:creationId xmlns:p14="http://schemas.microsoft.com/office/powerpoint/2010/main" val="480475221"/>
-      </p:ext>
-    </p:extLst>
-  </p:cSld>
-  <p:clrMapOvr>
-    <a:masterClrMapping/>
-  </p:clrMapOvr>
-</p:sld>
-</file>
-
-<file path=ppt/slides/slide6.xml><?xml version="1.0" encoding="utf-8"?>
-<p:sld xmlns:a="http://schemas.openxmlformats.org/drawingml/2006/main" xmlns:r="http://schemas.openxmlformats.org/officeDocument/2006/relationships" xmlns:p="http://schemas.openxmlformats.org/presentationml/2006/main">
-  <p:cSld>
-    <p:spTree>
-      <p:nvGrpSpPr>
-        <p:cNvPr id="1" name=""/>
-        <p:cNvGrpSpPr/>
-        <p:nvPr/>
-      </p:nvGrpSpPr>
-      <p:grpSpPr>
-        <a:xfrm>
-          <a:off x="0" y="0"/>
-          <a:ext cx="0" cy="0"/>
-          <a:chOff x="0" y="0"/>
-          <a:chExt cx="0" cy="0"/>
-        </a:xfrm>
-      </p:grpSpPr>
-      <p:sp>
-        <p:nvSpPr>
-          <p:cNvPr id="2" name="Title 1">
-            <a:extLst>
-              <a:ext uri="{FF2B5EF4-FFF2-40B4-BE49-F238E27FC236}">
-                <a16:creationId xmlns:a16="http://schemas.microsoft.com/office/drawing/2014/main" id="{AEE1F7D9-786F-4759-B894-DC8C0992FA93}"/>
-              </a:ext>
-            </a:extLst>
-          </p:cNvPr>
-          <p:cNvSpPr>
-            <a:spLocks noGrp="1"/>
-          </p:cNvSpPr>
-          <p:nvPr>
-            <p:ph type="title"/>
-          </p:nvPr>
-        </p:nvSpPr>
-        <p:spPr>
-          <a:xfrm>
-            <a:off x="838200" y="365126"/>
-            <a:ext cx="10515600" cy="730250"/>
-          </a:xfrm>
-        </p:spPr>
-        <p:txBody>
-          <a:bodyPr/>
-          <a:lstStyle/>
-          <a:p>
-            <a:r>
-              <a:rPr lang="en-US" dirty="0"/>
-              <a:t>			Solution Architecture</a:t>
-            </a:r>
-            <a:endParaRPr lang="en-IN" dirty="0"/>
-          </a:p>
-        </p:txBody>
-      </p:sp>
-      <p:pic>
-        <p:nvPicPr>
-          <p:cNvPr id="5" name="Content Placeholder 4">
-            <a:extLst>
-              <a:ext uri="{FF2B5EF4-FFF2-40B4-BE49-F238E27FC236}">
-                <a16:creationId xmlns:a16="http://schemas.microsoft.com/office/drawing/2014/main" id="{709AB883-C87D-42E5-B4C3-32BF60F0198E}"/>
-              </a:ext>
-            </a:extLst>
-          </p:cNvPr>
-          <p:cNvPicPr>
-            <a:picLocks noGrp="1" noChangeAspect="1"/>
-          </p:cNvPicPr>
-          <p:nvPr>
-            <p:ph idx="1"/>
-          </p:nvPr>
-        </p:nvPicPr>
-        <p:blipFill>
-          <a:blip r:embed="rId2">
-            <a:extLst>
-              <a:ext uri="{28A0092B-C50C-407E-A947-70E740481C1C}">
-                <a14:useLocalDpi xmlns:a14="http://schemas.microsoft.com/office/drawing/2010/main" val="0"/>
-              </a:ext>
-            </a:extLst>
-          </a:blip>
-          <a:stretch>
-            <a:fillRect/>
-          </a:stretch>
-        </p:blipFill>
-        <p:spPr>
-          <a:xfrm>
-            <a:off x="1209675" y="1286669"/>
-            <a:ext cx="8802529" cy="4890294"/>
-          </a:xfrm>
-        </p:spPr>
-      </p:pic>
-    </p:spTree>
-    <p:extLst>
-      <p:ext uri="{BB962C8B-B14F-4D97-AF65-F5344CB8AC3E}">
-        <p14:creationId xmlns:p14="http://schemas.microsoft.com/office/powerpoint/2010/main" val="3782380155"/>
-      </p:ext>
-    </p:extLst>
-  </p:cSld>
-  <p:clrMapOvr>
-    <a:masterClrMapping/>
-  </p:clrMapOvr>
-</p:sld>
-</file>
-
-<file path=ppt/slides/slide7.xml><?xml version="1.0" encoding="utf-8"?>
+<file path=ppt/slides/slide10.xml><?xml version="1.0" encoding="utf-8"?>
 <p:sld xmlns:a="http://schemas.openxmlformats.org/drawingml/2006/main" xmlns:r="http://schemas.openxmlformats.org/officeDocument/2006/relationships" xmlns:p="http://schemas.openxmlformats.org/presentationml/2006/main">
   <p:cSld>
     <p:spTree>
@@ -4505,6 +3959,968 @@
 </p:sld>
 </file>
 
+<file path=ppt/slides/slide2.xml><?xml version="1.0" encoding="utf-8"?>
+<p:sld xmlns:a="http://schemas.openxmlformats.org/drawingml/2006/main" xmlns:r="http://schemas.openxmlformats.org/officeDocument/2006/relationships" xmlns:p="http://schemas.openxmlformats.org/presentationml/2006/main">
+  <p:cSld>
+    <p:spTree>
+      <p:nvGrpSpPr>
+        <p:cNvPr id="1" name=""/>
+        <p:cNvGrpSpPr/>
+        <p:nvPr/>
+      </p:nvGrpSpPr>
+      <p:grpSpPr>
+        <a:xfrm>
+          <a:off x="0" y="0"/>
+          <a:ext cx="0" cy="0"/>
+          <a:chOff x="0" y="0"/>
+          <a:chExt cx="0" cy="0"/>
+        </a:xfrm>
+      </p:grpSpPr>
+      <p:sp>
+        <p:nvSpPr>
+          <p:cNvPr id="2" name="Title 1">
+            <a:extLst>
+              <a:ext uri="{FF2B5EF4-FFF2-40B4-BE49-F238E27FC236}">
+                <a16:creationId xmlns:a16="http://schemas.microsoft.com/office/drawing/2014/main" id="{E4D171B3-CB4D-4004-9F48-0C6F85F20B93}"/>
+              </a:ext>
+            </a:extLst>
+          </p:cNvPr>
+          <p:cNvSpPr>
+            <a:spLocks noGrp="1"/>
+          </p:cNvSpPr>
+          <p:nvPr>
+            <p:ph type="title"/>
+          </p:nvPr>
+        </p:nvSpPr>
+        <p:spPr>
+          <a:xfrm>
+            <a:off x="1114425" y="2470150"/>
+            <a:ext cx="10515600" cy="1325563"/>
+          </a:xfrm>
+        </p:spPr>
+        <p:txBody>
+          <a:bodyPr>
+            <a:normAutofit/>
+          </a:bodyPr>
+          <a:lstStyle/>
+          <a:p>
+            <a:r>
+              <a:rPr lang="en-US" b="1" dirty="0"/>
+              <a:t>Smart solution to curb emission of greenhouse gases in IT industries</a:t>
+            </a:r>
+            <a:endParaRPr lang="en-IN" dirty="0"/>
+          </a:p>
+        </p:txBody>
+      </p:sp>
+    </p:spTree>
+    <p:extLst>
+      <p:ext uri="{BB962C8B-B14F-4D97-AF65-F5344CB8AC3E}">
+        <p14:creationId xmlns:p14="http://schemas.microsoft.com/office/powerpoint/2010/main" val="2960777999"/>
+      </p:ext>
+    </p:extLst>
+  </p:cSld>
+  <p:clrMapOvr>
+    <a:masterClrMapping/>
+  </p:clrMapOvr>
+</p:sld>
+</file>
+
+<file path=ppt/slides/slide3.xml><?xml version="1.0" encoding="utf-8"?>
+<p:sld xmlns:a="http://schemas.openxmlformats.org/drawingml/2006/main" xmlns:r="http://schemas.openxmlformats.org/officeDocument/2006/relationships" xmlns:p="http://schemas.openxmlformats.org/presentationml/2006/main">
+  <p:cSld>
+    <p:spTree>
+      <p:nvGrpSpPr>
+        <p:cNvPr id="1" name=""/>
+        <p:cNvGrpSpPr/>
+        <p:nvPr/>
+      </p:nvGrpSpPr>
+      <p:grpSpPr>
+        <a:xfrm>
+          <a:off x="0" y="0"/>
+          <a:ext cx="0" cy="0"/>
+          <a:chOff x="0" y="0"/>
+          <a:chExt cx="0" cy="0"/>
+        </a:xfrm>
+      </p:grpSpPr>
+      <p:sp>
+        <p:nvSpPr>
+          <p:cNvPr id="2" name="Title 1">
+            <a:extLst>
+              <a:ext uri="{FF2B5EF4-FFF2-40B4-BE49-F238E27FC236}">
+                <a16:creationId xmlns:a16="http://schemas.microsoft.com/office/drawing/2014/main" id="{934EC0A0-565A-4C75-ADEB-F358C1958DBD}"/>
+              </a:ext>
+            </a:extLst>
+          </p:cNvPr>
+          <p:cNvSpPr>
+            <a:spLocks noGrp="1"/>
+          </p:cNvSpPr>
+          <p:nvPr>
+            <p:ph type="title"/>
+          </p:nvPr>
+        </p:nvSpPr>
+        <p:spPr>
+          <a:xfrm>
+            <a:off x="838200" y="365125"/>
+            <a:ext cx="10515600" cy="1006475"/>
+          </a:xfrm>
+        </p:spPr>
+        <p:txBody>
+          <a:bodyPr/>
+          <a:lstStyle/>
+          <a:p>
+            <a:r>
+              <a:rPr lang="en-US" dirty="0"/>
+              <a:t>			Problem Statement</a:t>
+            </a:r>
+            <a:endParaRPr lang="en-IN" dirty="0"/>
+          </a:p>
+        </p:txBody>
+      </p:sp>
+      <p:sp>
+        <p:nvSpPr>
+          <p:cNvPr id="3" name="Content Placeholder 2">
+            <a:extLst>
+              <a:ext uri="{FF2B5EF4-FFF2-40B4-BE49-F238E27FC236}">
+                <a16:creationId xmlns:a16="http://schemas.microsoft.com/office/drawing/2014/main" id="{81ADD2C9-335D-447E-9AFC-D3398CBFF08D}"/>
+              </a:ext>
+            </a:extLst>
+          </p:cNvPr>
+          <p:cNvSpPr>
+            <a:spLocks noGrp="1"/>
+          </p:cNvSpPr>
+          <p:nvPr>
+            <p:ph idx="1"/>
+          </p:nvPr>
+        </p:nvSpPr>
+        <p:spPr/>
+        <p:txBody>
+          <a:bodyPr>
+            <a:normAutofit/>
+          </a:bodyPr>
+          <a:lstStyle/>
+          <a:p>
+            <a:r>
+              <a:rPr lang="en-US" dirty="0"/>
+              <a:t>As per some independent research, if the Server is on for eight hours a day then it uses almost 600 kWh and emits 175 kg of CO2 per year. </a:t>
+            </a:r>
+          </a:p>
+          <a:p>
+            <a:endParaRPr lang="en-US" dirty="0"/>
+          </a:p>
+          <a:p>
+            <a:r>
+              <a:rPr lang="en-US" dirty="0"/>
+              <a:t>A Laptop\Desktop\Servers uses between 50 and 100 W/hour when it is being used, depending on the model. </a:t>
+            </a:r>
+            <a:br>
+              <a:rPr lang="en-US" dirty="0"/>
+            </a:br>
+            <a:endParaRPr lang="en-US" dirty="0"/>
+          </a:p>
+          <a:p>
+            <a:r>
+              <a:rPr lang="en-US" dirty="0"/>
+              <a:t>A laptop that is on for eight hours a day uses between 150 and 300 kWh and emits between 44 and 88 kg of CO2 per year</a:t>
+            </a:r>
+            <a:endParaRPr lang="en-IN" dirty="0"/>
+          </a:p>
+        </p:txBody>
+      </p:sp>
+    </p:spTree>
+    <p:extLst>
+      <p:ext uri="{BB962C8B-B14F-4D97-AF65-F5344CB8AC3E}">
+        <p14:creationId xmlns:p14="http://schemas.microsoft.com/office/powerpoint/2010/main" val="3269305118"/>
+      </p:ext>
+    </p:extLst>
+  </p:cSld>
+  <p:clrMapOvr>
+    <a:masterClrMapping/>
+  </p:clrMapOvr>
+</p:sld>
+</file>
+
+<file path=ppt/slides/slide4.xml><?xml version="1.0" encoding="utf-8"?>
+<p:sld xmlns:a="http://schemas.openxmlformats.org/drawingml/2006/main" xmlns:r="http://schemas.openxmlformats.org/officeDocument/2006/relationships" xmlns:p="http://schemas.openxmlformats.org/presentationml/2006/main">
+  <p:cSld>
+    <p:spTree>
+      <p:nvGrpSpPr>
+        <p:cNvPr id="1" name=""/>
+        <p:cNvGrpSpPr/>
+        <p:nvPr/>
+      </p:nvGrpSpPr>
+      <p:grpSpPr>
+        <a:xfrm>
+          <a:off x="0" y="0"/>
+          <a:ext cx="0" cy="0"/>
+          <a:chOff x="0" y="0"/>
+          <a:chExt cx="0" cy="0"/>
+        </a:xfrm>
+      </p:grpSpPr>
+      <p:sp>
+        <p:nvSpPr>
+          <p:cNvPr id="2" name="Title 1">
+            <a:extLst>
+              <a:ext uri="{FF2B5EF4-FFF2-40B4-BE49-F238E27FC236}">
+                <a16:creationId xmlns:a16="http://schemas.microsoft.com/office/drawing/2014/main" id="{117E07F0-D668-4AD0-8BDD-7F751D56EF15}"/>
+              </a:ext>
+            </a:extLst>
+          </p:cNvPr>
+          <p:cNvSpPr>
+            <a:spLocks noGrp="1"/>
+          </p:cNvSpPr>
+          <p:nvPr>
+            <p:ph type="title"/>
+          </p:nvPr>
+        </p:nvSpPr>
+        <p:spPr/>
+        <p:txBody>
+          <a:bodyPr/>
+          <a:lstStyle/>
+          <a:p>
+            <a:r>
+              <a:rPr lang="en-US" dirty="0"/>
+              <a:t>				Solution</a:t>
+            </a:r>
+            <a:endParaRPr lang="en-IN" dirty="0"/>
+          </a:p>
+        </p:txBody>
+      </p:sp>
+      <p:sp>
+        <p:nvSpPr>
+          <p:cNvPr id="3" name="Content Placeholder 2">
+            <a:extLst>
+              <a:ext uri="{FF2B5EF4-FFF2-40B4-BE49-F238E27FC236}">
+                <a16:creationId xmlns:a16="http://schemas.microsoft.com/office/drawing/2014/main" id="{9BC1EFC8-55A2-4FFB-8FE0-188090A199B7}"/>
+              </a:ext>
+            </a:extLst>
+          </p:cNvPr>
+          <p:cNvSpPr>
+            <a:spLocks noGrp="1"/>
+          </p:cNvSpPr>
+          <p:nvPr>
+            <p:ph idx="1"/>
+          </p:nvPr>
+        </p:nvSpPr>
+        <p:spPr/>
+        <p:txBody>
+          <a:bodyPr>
+            <a:normAutofit/>
+          </a:bodyPr>
+          <a:lstStyle/>
+          <a:p>
+            <a:pPr marL="0" indent="0">
+              <a:buNone/>
+            </a:pPr>
+            <a:r>
+              <a:rPr lang="en-US" sz="3200" dirty="0"/>
+              <a:t>Quite often we see the </a:t>
+            </a:r>
+            <a:r>
+              <a:rPr lang="en-US" sz="3200" b="1" dirty="0">
+                <a:solidFill>
+                  <a:srgbClr val="FF0000"/>
+                </a:solidFill>
+              </a:rPr>
+              <a:t>non essential servers</a:t>
+            </a:r>
+            <a:r>
+              <a:rPr lang="en-US" sz="3200" dirty="0"/>
+              <a:t>, desktops and other devices are up and running during non-business hours. </a:t>
+            </a:r>
+            <a:br>
+              <a:rPr lang="en-US" sz="3200" dirty="0"/>
+            </a:br>
+            <a:br>
+              <a:rPr lang="en-US" sz="3200" dirty="0"/>
+            </a:br>
+            <a:r>
+              <a:rPr lang="en-US" sz="3200" dirty="0"/>
+              <a:t>If we identify these non-essential devices and </a:t>
+            </a:r>
+            <a:r>
+              <a:rPr lang="en-US" sz="3200" b="1" dirty="0">
+                <a:solidFill>
+                  <a:schemeClr val="accent6"/>
+                </a:solidFill>
+              </a:rPr>
+              <a:t>turn-off</a:t>
+            </a:r>
+            <a:r>
+              <a:rPr lang="en-US" sz="3200" dirty="0"/>
+              <a:t> these servers\desktops\other device during non-business hours then we can limit the carbon emission. </a:t>
+            </a:r>
+            <a:endParaRPr lang="en-IN" sz="3200" dirty="0"/>
+          </a:p>
+        </p:txBody>
+      </p:sp>
+    </p:spTree>
+    <p:extLst>
+      <p:ext uri="{BB962C8B-B14F-4D97-AF65-F5344CB8AC3E}">
+        <p14:creationId xmlns:p14="http://schemas.microsoft.com/office/powerpoint/2010/main" val="3891402677"/>
+      </p:ext>
+    </p:extLst>
+  </p:cSld>
+  <p:clrMapOvr>
+    <a:masterClrMapping/>
+  </p:clrMapOvr>
+</p:sld>
+</file>
+
+<file path=ppt/slides/slide5.xml><?xml version="1.0" encoding="utf-8"?>
+<p:sld xmlns:a="http://schemas.openxmlformats.org/drawingml/2006/main" xmlns:r="http://schemas.openxmlformats.org/officeDocument/2006/relationships" xmlns:p="http://schemas.openxmlformats.org/presentationml/2006/main">
+  <p:cSld>
+    <p:spTree>
+      <p:nvGrpSpPr>
+        <p:cNvPr id="1" name=""/>
+        <p:cNvGrpSpPr/>
+        <p:nvPr/>
+      </p:nvGrpSpPr>
+      <p:grpSpPr>
+        <a:xfrm>
+          <a:off x="0" y="0"/>
+          <a:ext cx="0" cy="0"/>
+          <a:chOff x="0" y="0"/>
+          <a:chExt cx="0" cy="0"/>
+        </a:xfrm>
+      </p:grpSpPr>
+      <p:sp>
+        <p:nvSpPr>
+          <p:cNvPr id="2" name="Title 1">
+            <a:extLst>
+              <a:ext uri="{FF2B5EF4-FFF2-40B4-BE49-F238E27FC236}">
+                <a16:creationId xmlns:a16="http://schemas.microsoft.com/office/drawing/2014/main" id="{5E752B9D-FBC4-4CFD-B022-D569EDB26F11}"/>
+              </a:ext>
+            </a:extLst>
+          </p:cNvPr>
+          <p:cNvSpPr>
+            <a:spLocks noGrp="1"/>
+          </p:cNvSpPr>
+          <p:nvPr>
+            <p:ph type="title"/>
+          </p:nvPr>
+        </p:nvSpPr>
+        <p:spPr>
+          <a:xfrm>
+            <a:off x="838200" y="365126"/>
+            <a:ext cx="10515600" cy="615949"/>
+          </a:xfrm>
+        </p:spPr>
+        <p:txBody>
+          <a:bodyPr>
+            <a:normAutofit fontScale="90000"/>
+          </a:bodyPr>
+          <a:lstStyle/>
+          <a:p>
+            <a:r>
+              <a:rPr lang="en-US" dirty="0"/>
+              <a:t>				</a:t>
+            </a:r>
+            <a:r>
+              <a:rPr lang="en-US" b="1" dirty="0"/>
+              <a:t>Solution</a:t>
+            </a:r>
+            <a:endParaRPr lang="en-IN" b="1" dirty="0"/>
+          </a:p>
+        </p:txBody>
+      </p:sp>
+      <p:sp>
+        <p:nvSpPr>
+          <p:cNvPr id="3" name="Content Placeholder 2">
+            <a:extLst>
+              <a:ext uri="{FF2B5EF4-FFF2-40B4-BE49-F238E27FC236}">
+                <a16:creationId xmlns:a16="http://schemas.microsoft.com/office/drawing/2014/main" id="{C5C2333B-3431-49F2-99F4-C9D332F54264}"/>
+              </a:ext>
+            </a:extLst>
+          </p:cNvPr>
+          <p:cNvSpPr>
+            <a:spLocks noGrp="1"/>
+          </p:cNvSpPr>
+          <p:nvPr>
+            <p:ph idx="1"/>
+          </p:nvPr>
+        </p:nvSpPr>
+        <p:spPr>
+          <a:xfrm>
+            <a:off x="142875" y="1381126"/>
+            <a:ext cx="11744325" cy="4795838"/>
+          </a:xfrm>
+        </p:spPr>
+        <p:txBody>
+          <a:bodyPr>
+            <a:normAutofit/>
+          </a:bodyPr>
+          <a:lstStyle/>
+          <a:p>
+            <a:pPr marL="0" indent="0">
+              <a:buNone/>
+            </a:pPr>
+            <a:r>
+              <a:rPr lang="en-US" dirty="0"/>
+              <a:t>Our solution is  a "Full Stack Solution" that will identify the devices which are not required during "non-business hours" and turn them off during non productive hours.</a:t>
+            </a:r>
+            <a:br>
+              <a:rPr lang="en-US" dirty="0"/>
+            </a:br>
+            <a:br>
+              <a:rPr lang="en-US" dirty="0"/>
+            </a:br>
+            <a:r>
+              <a:rPr lang="en-US" dirty="0"/>
+              <a:t>With our  solution we can control any servers\desktops\laptops running in :</a:t>
+            </a:r>
+          </a:p>
+          <a:p>
+            <a:r>
+              <a:rPr lang="en-US" dirty="0"/>
+              <a:t>Private Cloud or Datacenter.</a:t>
+            </a:r>
+          </a:p>
+          <a:p>
+            <a:r>
+              <a:rPr lang="en-US" dirty="0"/>
+              <a:t>Any Public Cloud  (Azure\AWS\Etc.)</a:t>
+            </a:r>
+          </a:p>
+          <a:p>
+            <a:r>
+              <a:rPr lang="en-US" dirty="0"/>
+              <a:t>Hybrid Cloud.</a:t>
+            </a:r>
+          </a:p>
+          <a:p>
+            <a:r>
+              <a:rPr lang="en-US" dirty="0"/>
+              <a:t>On-Premises</a:t>
+            </a:r>
+          </a:p>
+          <a:p>
+            <a:pPr marL="0" indent="0">
+              <a:buNone/>
+            </a:pPr>
+            <a:endParaRPr lang="en-IN" dirty="0"/>
+          </a:p>
+        </p:txBody>
+      </p:sp>
+    </p:spTree>
+    <p:extLst>
+      <p:ext uri="{BB962C8B-B14F-4D97-AF65-F5344CB8AC3E}">
+        <p14:creationId xmlns:p14="http://schemas.microsoft.com/office/powerpoint/2010/main" val="480475221"/>
+      </p:ext>
+    </p:extLst>
+  </p:cSld>
+  <p:clrMapOvr>
+    <a:masterClrMapping/>
+  </p:clrMapOvr>
+</p:sld>
+</file>
+
+<file path=ppt/slides/slide6.xml><?xml version="1.0" encoding="utf-8"?>
+<p:sld xmlns:a="http://schemas.openxmlformats.org/drawingml/2006/main" xmlns:r="http://schemas.openxmlformats.org/officeDocument/2006/relationships" xmlns:p="http://schemas.openxmlformats.org/presentationml/2006/main">
+  <p:cSld>
+    <p:spTree>
+      <p:nvGrpSpPr>
+        <p:cNvPr id="1" name=""/>
+        <p:cNvGrpSpPr/>
+        <p:nvPr/>
+      </p:nvGrpSpPr>
+      <p:grpSpPr>
+        <a:xfrm>
+          <a:off x="0" y="0"/>
+          <a:ext cx="0" cy="0"/>
+          <a:chOff x="0" y="0"/>
+          <a:chExt cx="0" cy="0"/>
+        </a:xfrm>
+      </p:grpSpPr>
+      <p:sp>
+        <p:nvSpPr>
+          <p:cNvPr id="2" name="Title 1">
+            <a:extLst>
+              <a:ext uri="{FF2B5EF4-FFF2-40B4-BE49-F238E27FC236}">
+                <a16:creationId xmlns:a16="http://schemas.microsoft.com/office/drawing/2014/main" id="{C98EDF65-22D8-4608-BA78-81DC0B1D0D06}"/>
+              </a:ext>
+            </a:extLst>
+          </p:cNvPr>
+          <p:cNvSpPr>
+            <a:spLocks noGrp="1"/>
+          </p:cNvSpPr>
+          <p:nvPr>
+            <p:ph type="title"/>
+          </p:nvPr>
+        </p:nvSpPr>
+        <p:spPr>
+          <a:xfrm>
+            <a:off x="838200" y="365126"/>
+            <a:ext cx="10515600" cy="1064180"/>
+          </a:xfrm>
+        </p:spPr>
+        <p:txBody>
+          <a:bodyPr/>
+          <a:lstStyle/>
+          <a:p>
+            <a:r>
+              <a:rPr lang="en-US" b="1" dirty="0">
+                <a:solidFill>
+                  <a:srgbClr val="FF0000"/>
+                </a:solidFill>
+              </a:rPr>
+              <a:t>		Non essential Servers</a:t>
+            </a:r>
+          </a:p>
+        </p:txBody>
+      </p:sp>
+      <p:sp>
+        <p:nvSpPr>
+          <p:cNvPr id="3" name="Content Placeholder 2">
+            <a:extLst>
+              <a:ext uri="{FF2B5EF4-FFF2-40B4-BE49-F238E27FC236}">
+                <a16:creationId xmlns:a16="http://schemas.microsoft.com/office/drawing/2014/main" id="{AF60EE4B-9259-4538-ACC0-2371B74F49C6}"/>
+              </a:ext>
+            </a:extLst>
+          </p:cNvPr>
+          <p:cNvSpPr>
+            <a:spLocks noGrp="1"/>
+          </p:cNvSpPr>
+          <p:nvPr>
+            <p:ph idx="1"/>
+          </p:nvPr>
+        </p:nvSpPr>
+        <p:spPr/>
+        <p:txBody>
+          <a:bodyPr/>
+          <a:lstStyle/>
+          <a:p>
+            <a:r>
+              <a:rPr lang="en-US" dirty="0"/>
+              <a:t>These are the servers which are under utilized. </a:t>
+            </a:r>
+            <a:br>
+              <a:rPr lang="en-US" dirty="0"/>
+            </a:br>
+            <a:endParaRPr lang="en-US" dirty="0"/>
+          </a:p>
+          <a:p>
+            <a:r>
+              <a:rPr lang="en-US" dirty="0"/>
+              <a:t>They are needed for testing and development and may not needed during night and weekends. </a:t>
+            </a:r>
+            <a:br>
+              <a:rPr lang="en-US" dirty="0"/>
+            </a:br>
+            <a:endParaRPr lang="en-US" dirty="0"/>
+          </a:p>
+          <a:p>
+            <a:r>
+              <a:rPr lang="en-US" dirty="0"/>
+              <a:t>Our solution will first help us in identifying these servers by analyzing the telemetry data sent by then to Azure Monitor Workspace.</a:t>
+            </a:r>
+          </a:p>
+        </p:txBody>
+      </p:sp>
+    </p:spTree>
+    <p:extLst>
+      <p:ext uri="{BB962C8B-B14F-4D97-AF65-F5344CB8AC3E}">
+        <p14:creationId xmlns:p14="http://schemas.microsoft.com/office/powerpoint/2010/main" val="1277342465"/>
+      </p:ext>
+    </p:extLst>
+  </p:cSld>
+  <p:clrMapOvr>
+    <a:masterClrMapping/>
+  </p:clrMapOvr>
+</p:sld>
+</file>
+
+<file path=ppt/slides/slide7.xml><?xml version="1.0" encoding="utf-8"?>
+<p:sld xmlns:a="http://schemas.openxmlformats.org/drawingml/2006/main" xmlns:r="http://schemas.openxmlformats.org/officeDocument/2006/relationships" xmlns:p="http://schemas.openxmlformats.org/presentationml/2006/main">
+  <p:cSld>
+    <p:spTree>
+      <p:nvGrpSpPr>
+        <p:cNvPr id="1" name=""/>
+        <p:cNvGrpSpPr/>
+        <p:nvPr/>
+      </p:nvGrpSpPr>
+      <p:grpSpPr>
+        <a:xfrm>
+          <a:off x="0" y="0"/>
+          <a:ext cx="0" cy="0"/>
+          <a:chOff x="0" y="0"/>
+          <a:chExt cx="0" cy="0"/>
+        </a:xfrm>
+      </p:grpSpPr>
+      <p:sp>
+        <p:nvSpPr>
+          <p:cNvPr id="2" name="Title 1">
+            <a:extLst>
+              <a:ext uri="{FF2B5EF4-FFF2-40B4-BE49-F238E27FC236}">
+                <a16:creationId xmlns:a16="http://schemas.microsoft.com/office/drawing/2014/main" id="{AEE1F7D9-786F-4759-B894-DC8C0992FA93}"/>
+              </a:ext>
+            </a:extLst>
+          </p:cNvPr>
+          <p:cNvSpPr>
+            <a:spLocks noGrp="1"/>
+          </p:cNvSpPr>
+          <p:nvPr>
+            <p:ph type="title"/>
+          </p:nvPr>
+        </p:nvSpPr>
+        <p:spPr>
+          <a:xfrm>
+            <a:off x="838200" y="365126"/>
+            <a:ext cx="10515600" cy="730250"/>
+          </a:xfrm>
+        </p:spPr>
+        <p:txBody>
+          <a:bodyPr/>
+          <a:lstStyle/>
+          <a:p>
+            <a:r>
+              <a:rPr lang="en-US" dirty="0"/>
+              <a:t>			Solution Architecture</a:t>
+            </a:r>
+            <a:endParaRPr lang="en-IN" dirty="0"/>
+          </a:p>
+        </p:txBody>
+      </p:sp>
+      <p:pic>
+        <p:nvPicPr>
+          <p:cNvPr id="5" name="Content Placeholder 4">
+            <a:extLst>
+              <a:ext uri="{FF2B5EF4-FFF2-40B4-BE49-F238E27FC236}">
+                <a16:creationId xmlns:a16="http://schemas.microsoft.com/office/drawing/2014/main" id="{709AB883-C87D-42E5-B4C3-32BF60F0198E}"/>
+              </a:ext>
+            </a:extLst>
+          </p:cNvPr>
+          <p:cNvPicPr>
+            <a:picLocks noGrp="1" noChangeAspect="1"/>
+          </p:cNvPicPr>
+          <p:nvPr>
+            <p:ph idx="1"/>
+          </p:nvPr>
+        </p:nvPicPr>
+        <p:blipFill>
+          <a:blip r:embed="rId2">
+            <a:extLst>
+              <a:ext uri="{28A0092B-C50C-407E-A947-70E740481C1C}">
+                <a14:useLocalDpi xmlns:a14="http://schemas.microsoft.com/office/drawing/2010/main" val="0"/>
+              </a:ext>
+            </a:extLst>
+          </a:blip>
+          <a:stretch>
+            <a:fillRect/>
+          </a:stretch>
+        </p:blipFill>
+        <p:spPr>
+          <a:xfrm>
+            <a:off x="1209675" y="1286669"/>
+            <a:ext cx="8802529" cy="4890294"/>
+          </a:xfrm>
+        </p:spPr>
+      </p:pic>
+    </p:spTree>
+    <p:extLst>
+      <p:ext uri="{BB962C8B-B14F-4D97-AF65-F5344CB8AC3E}">
+        <p14:creationId xmlns:p14="http://schemas.microsoft.com/office/powerpoint/2010/main" val="3782380155"/>
+      </p:ext>
+    </p:extLst>
+  </p:cSld>
+  <p:clrMapOvr>
+    <a:masterClrMapping/>
+  </p:clrMapOvr>
+</p:sld>
+</file>
+
+<file path=ppt/slides/slide8.xml><?xml version="1.0" encoding="utf-8"?>
+<p:sld xmlns:a="http://schemas.openxmlformats.org/drawingml/2006/main" xmlns:r="http://schemas.openxmlformats.org/officeDocument/2006/relationships" xmlns:p="http://schemas.openxmlformats.org/presentationml/2006/main">
+  <p:cSld>
+    <p:spTree>
+      <p:nvGrpSpPr>
+        <p:cNvPr id="1" name=""/>
+        <p:cNvGrpSpPr/>
+        <p:nvPr/>
+      </p:nvGrpSpPr>
+      <p:grpSpPr>
+        <a:xfrm>
+          <a:off x="0" y="0"/>
+          <a:ext cx="0" cy="0"/>
+          <a:chOff x="0" y="0"/>
+          <a:chExt cx="0" cy="0"/>
+        </a:xfrm>
+      </p:grpSpPr>
+      <p:sp>
+        <p:nvSpPr>
+          <p:cNvPr id="2" name="Title 1">
+            <a:extLst>
+              <a:ext uri="{FF2B5EF4-FFF2-40B4-BE49-F238E27FC236}">
+                <a16:creationId xmlns:a16="http://schemas.microsoft.com/office/drawing/2014/main" id="{721A811D-08FE-448C-B68A-ACAA12F1A957}"/>
+              </a:ext>
+            </a:extLst>
+          </p:cNvPr>
+          <p:cNvSpPr>
+            <a:spLocks noGrp="1"/>
+          </p:cNvSpPr>
+          <p:nvPr>
+            <p:ph type="title"/>
+          </p:nvPr>
+        </p:nvSpPr>
+        <p:spPr>
+          <a:xfrm>
+            <a:off x="838200" y="223083"/>
+            <a:ext cx="10515600" cy="487130"/>
+          </a:xfrm>
+        </p:spPr>
+        <p:txBody>
+          <a:bodyPr>
+            <a:normAutofit fontScale="90000"/>
+          </a:bodyPr>
+          <a:lstStyle/>
+          <a:p>
+            <a:r>
+              <a:rPr lang="en-US" sz="4000"/>
+              <a:t>			Azure Monitor.</a:t>
+            </a:r>
+            <a:endParaRPr lang="en-US" sz="4000" dirty="0"/>
+          </a:p>
+        </p:txBody>
+      </p:sp>
+      <p:sp>
+        <p:nvSpPr>
+          <p:cNvPr id="3" name="Content Placeholder 2">
+            <a:extLst>
+              <a:ext uri="{FF2B5EF4-FFF2-40B4-BE49-F238E27FC236}">
+                <a16:creationId xmlns:a16="http://schemas.microsoft.com/office/drawing/2014/main" id="{67329B64-D386-4AEC-9FB9-2285EC64C7B7}"/>
+              </a:ext>
+            </a:extLst>
+          </p:cNvPr>
+          <p:cNvSpPr>
+            <a:spLocks noGrp="1"/>
+          </p:cNvSpPr>
+          <p:nvPr>
+            <p:ph idx="1"/>
+          </p:nvPr>
+        </p:nvSpPr>
+        <p:spPr>
+          <a:xfrm>
+            <a:off x="838200" y="1145218"/>
+            <a:ext cx="3502981" cy="5347655"/>
+          </a:xfrm>
+        </p:spPr>
+        <p:txBody>
+          <a:bodyPr>
+            <a:normAutofit lnSpcReduction="10000"/>
+          </a:bodyPr>
+          <a:lstStyle/>
+          <a:p>
+            <a:r>
+              <a:rPr lang="en-US"/>
+              <a:t>Azure Monitor is used for collecting, analyzing, and acting on telemetry from your cloud and on-premises environments.</a:t>
+            </a:r>
+          </a:p>
+          <a:p>
+            <a:pPr marL="0" indent="0">
+              <a:buNone/>
+            </a:pPr>
+            <a:endParaRPr lang="en-US"/>
+          </a:p>
+          <a:p>
+            <a:r>
+              <a:rPr lang="en-US"/>
+              <a:t> In this solution Azure Monitor is used to monitor the usage of the machines</a:t>
+            </a:r>
+            <a:br>
+              <a:rPr lang="en-US"/>
+            </a:br>
+            <a:endParaRPr lang="en-US" dirty="0"/>
+          </a:p>
+        </p:txBody>
+      </p:sp>
+      <p:pic>
+        <p:nvPicPr>
+          <p:cNvPr id="4" name="Picture 3">
+            <a:extLst>
+              <a:ext uri="{FF2B5EF4-FFF2-40B4-BE49-F238E27FC236}">
+                <a16:creationId xmlns:a16="http://schemas.microsoft.com/office/drawing/2014/main" id="{6E454BE0-A9F9-4721-B8FE-399D8D7DCBA6}"/>
+              </a:ext>
+            </a:extLst>
+          </p:cNvPr>
+          <p:cNvPicPr>
+            <a:picLocks noChangeAspect="1"/>
+          </p:cNvPicPr>
+          <p:nvPr/>
+        </p:nvPicPr>
+        <p:blipFill>
+          <a:blip r:embed="rId2"/>
+          <a:stretch>
+            <a:fillRect/>
+          </a:stretch>
+        </p:blipFill>
+        <p:spPr>
+          <a:xfrm>
+            <a:off x="5697707" y="1354991"/>
+            <a:ext cx="3200400" cy="1819275"/>
+          </a:xfrm>
+          <a:prstGeom prst="rect">
+            <a:avLst/>
+          </a:prstGeom>
+        </p:spPr>
+      </p:pic>
+      <p:pic>
+        <p:nvPicPr>
+          <p:cNvPr id="5" name="Picture 4">
+            <a:extLst>
+              <a:ext uri="{FF2B5EF4-FFF2-40B4-BE49-F238E27FC236}">
+                <a16:creationId xmlns:a16="http://schemas.microsoft.com/office/drawing/2014/main" id="{25B44DD1-1E0D-4310-BA50-7F142C33AA40}"/>
+              </a:ext>
+            </a:extLst>
+          </p:cNvPr>
+          <p:cNvPicPr>
+            <a:picLocks noChangeAspect="1"/>
+          </p:cNvPicPr>
+          <p:nvPr/>
+        </p:nvPicPr>
+        <p:blipFill>
+          <a:blip r:embed="rId3"/>
+          <a:stretch>
+            <a:fillRect/>
+          </a:stretch>
+        </p:blipFill>
+        <p:spPr>
+          <a:xfrm>
+            <a:off x="5659607" y="3819045"/>
+            <a:ext cx="3276600" cy="1838325"/>
+          </a:xfrm>
+          <a:prstGeom prst="rect">
+            <a:avLst/>
+          </a:prstGeom>
+        </p:spPr>
+      </p:pic>
+    </p:spTree>
+    <p:extLst>
+      <p:ext uri="{BB962C8B-B14F-4D97-AF65-F5344CB8AC3E}">
+        <p14:creationId xmlns:p14="http://schemas.microsoft.com/office/powerpoint/2010/main" val="2527315054"/>
+      </p:ext>
+    </p:extLst>
+  </p:cSld>
+  <p:clrMapOvr>
+    <a:masterClrMapping/>
+  </p:clrMapOvr>
+</p:sld>
+</file>
+
+<file path=ppt/slides/slide9.xml><?xml version="1.0" encoding="utf-8"?>
+<p:sld xmlns:a="http://schemas.openxmlformats.org/drawingml/2006/main" xmlns:r="http://schemas.openxmlformats.org/officeDocument/2006/relationships" xmlns:p="http://schemas.openxmlformats.org/presentationml/2006/main">
+  <p:cSld>
+    <p:spTree>
+      <p:nvGrpSpPr>
+        <p:cNvPr id="1" name=""/>
+        <p:cNvGrpSpPr/>
+        <p:nvPr/>
+      </p:nvGrpSpPr>
+      <p:grpSpPr>
+        <a:xfrm>
+          <a:off x="0" y="0"/>
+          <a:ext cx="0" cy="0"/>
+          <a:chOff x="0" y="0"/>
+          <a:chExt cx="0" cy="0"/>
+        </a:xfrm>
+      </p:grpSpPr>
+      <p:sp>
+        <p:nvSpPr>
+          <p:cNvPr id="2" name="Title 1">
+            <a:extLst>
+              <a:ext uri="{FF2B5EF4-FFF2-40B4-BE49-F238E27FC236}">
+                <a16:creationId xmlns:a16="http://schemas.microsoft.com/office/drawing/2014/main" id="{CADD65FC-EE10-483E-BA42-6A1AAE3588C5}"/>
+              </a:ext>
+            </a:extLst>
+          </p:cNvPr>
+          <p:cNvSpPr>
+            <a:spLocks noGrp="1"/>
+          </p:cNvSpPr>
+          <p:nvPr>
+            <p:ph type="title"/>
+          </p:nvPr>
+        </p:nvSpPr>
+        <p:spPr>
+          <a:xfrm>
+            <a:off x="838200" y="142042"/>
+            <a:ext cx="10515600" cy="918331"/>
+          </a:xfrm>
+        </p:spPr>
+        <p:txBody>
+          <a:bodyPr>
+            <a:normAutofit/>
+          </a:bodyPr>
+          <a:lstStyle/>
+          <a:p>
+            <a:r>
+              <a:rPr lang="en-US" sz="3200" dirty="0"/>
+              <a:t>Azure Automation Runbook and Hybrid Runbook Worker.</a:t>
+            </a:r>
+          </a:p>
+        </p:txBody>
+      </p:sp>
+      <p:sp>
+        <p:nvSpPr>
+          <p:cNvPr id="3" name="Content Placeholder 2">
+            <a:extLst>
+              <a:ext uri="{FF2B5EF4-FFF2-40B4-BE49-F238E27FC236}">
+                <a16:creationId xmlns:a16="http://schemas.microsoft.com/office/drawing/2014/main" id="{941796C1-8607-40BE-9774-1704AEEF6023}"/>
+              </a:ext>
+            </a:extLst>
+          </p:cNvPr>
+          <p:cNvSpPr>
+            <a:spLocks noGrp="1"/>
+          </p:cNvSpPr>
+          <p:nvPr>
+            <p:ph idx="1"/>
+          </p:nvPr>
+        </p:nvSpPr>
+        <p:spPr>
+          <a:xfrm>
+            <a:off x="479394" y="1189608"/>
+            <a:ext cx="10874406" cy="4987355"/>
+          </a:xfrm>
+        </p:spPr>
+        <p:txBody>
+          <a:bodyPr>
+            <a:normAutofit/>
+          </a:bodyPr>
+          <a:lstStyle/>
+          <a:p>
+            <a:r>
+              <a:rPr lang="en-US" dirty="0"/>
+              <a:t>Azure Automation provides us  the ability to automate frequent, time-consuming, and error-prone cloud management tasks. Azure Automation is used here to run the code for Turning-Off the machines during non-business hours.</a:t>
+            </a:r>
+          </a:p>
+          <a:p>
+            <a:endParaRPr lang="en-US" dirty="0"/>
+          </a:p>
+          <a:p>
+            <a:r>
+              <a:rPr lang="en-US" dirty="0"/>
+              <a:t>Hybrid Runbook Worker feature of Azure Automation can directly run runbooks on the computer that's hosting the role and against resources in the environment to manage those local resources.</a:t>
+            </a:r>
+            <a:br>
+              <a:rPr lang="en-US" dirty="0"/>
+            </a:br>
+            <a:r>
+              <a:rPr lang="en-US" dirty="0"/>
+              <a:t>Hybrid Runbook Worker is used here to run the code directly of the on-premises machines. This will also allow us to execute the code on the machines which resided on the on-premises infrastructure.</a:t>
+            </a:r>
+          </a:p>
+        </p:txBody>
+      </p:sp>
+    </p:spTree>
+    <p:extLst>
+      <p:ext uri="{BB962C8B-B14F-4D97-AF65-F5344CB8AC3E}">
+        <p14:creationId xmlns:p14="http://schemas.microsoft.com/office/powerpoint/2010/main" val="1197033888"/>
+      </p:ext>
+    </p:extLst>
+  </p:cSld>
+  <p:clrMapOvr>
+    <a:masterClrMapping/>
+  </p:clrMapOvr>
+</p:sld>
+</file>
+
 <file path=ppt/theme/theme1.xml><?xml version="1.0" encoding="utf-8"?>
 <a:theme xmlns:a="http://schemas.openxmlformats.org/drawingml/2006/main" name="Office Theme">
   <a:themeElements>
